--- a/brWheel_my/Firmware-v19x pinout.pptx
+++ b/brWheel_my/Firmware-v19x pinout.pptx
@@ -241,7 +241,7 @@
           <a:p>
             <a:fld id="{A398FB1A-F8C3-427F-BE44-B87966AC4D7F}" type="datetimeFigureOut">
               <a:rPr lang="en-US" smtClean="0"/>
-              <a:t>23-Jun-22</a:t>
+              <a:t>03-Jul-22</a:t>
             </a:fld>
             <a:endParaRPr lang="en-US"/>
           </a:p>
@@ -409,7 +409,7 @@
           <a:p>
             <a:fld id="{A398FB1A-F8C3-427F-BE44-B87966AC4D7F}" type="datetimeFigureOut">
               <a:rPr lang="en-US" smtClean="0"/>
-              <a:t>23-Jun-22</a:t>
+              <a:t>03-Jul-22</a:t>
             </a:fld>
             <a:endParaRPr lang="en-US"/>
           </a:p>
@@ -587,7 +587,7 @@
           <a:p>
             <a:fld id="{A398FB1A-F8C3-427F-BE44-B87966AC4D7F}" type="datetimeFigureOut">
               <a:rPr lang="en-US" smtClean="0"/>
-              <a:t>23-Jun-22</a:t>
+              <a:t>03-Jul-22</a:t>
             </a:fld>
             <a:endParaRPr lang="en-US"/>
           </a:p>
@@ -755,7 +755,7 @@
           <a:p>
             <a:fld id="{A398FB1A-F8C3-427F-BE44-B87966AC4D7F}" type="datetimeFigureOut">
               <a:rPr lang="en-US" smtClean="0"/>
-              <a:t>23-Jun-22</a:t>
+              <a:t>03-Jul-22</a:t>
             </a:fld>
             <a:endParaRPr lang="en-US"/>
           </a:p>
@@ -1000,7 +1000,7 @@
           <a:p>
             <a:fld id="{A398FB1A-F8C3-427F-BE44-B87966AC4D7F}" type="datetimeFigureOut">
               <a:rPr lang="en-US" smtClean="0"/>
-              <a:t>23-Jun-22</a:t>
+              <a:t>03-Jul-22</a:t>
             </a:fld>
             <a:endParaRPr lang="en-US"/>
           </a:p>
@@ -1229,7 +1229,7 @@
           <a:p>
             <a:fld id="{A398FB1A-F8C3-427F-BE44-B87966AC4D7F}" type="datetimeFigureOut">
               <a:rPr lang="en-US" smtClean="0"/>
-              <a:t>23-Jun-22</a:t>
+              <a:t>03-Jul-22</a:t>
             </a:fld>
             <a:endParaRPr lang="en-US"/>
           </a:p>
@@ -1593,7 +1593,7 @@
           <a:p>
             <a:fld id="{A398FB1A-F8C3-427F-BE44-B87966AC4D7F}" type="datetimeFigureOut">
               <a:rPr lang="en-US" smtClean="0"/>
-              <a:t>23-Jun-22</a:t>
+              <a:t>03-Jul-22</a:t>
             </a:fld>
             <a:endParaRPr lang="en-US"/>
           </a:p>
@@ -1710,7 +1710,7 @@
           <a:p>
             <a:fld id="{A398FB1A-F8C3-427F-BE44-B87966AC4D7F}" type="datetimeFigureOut">
               <a:rPr lang="en-US" smtClean="0"/>
-              <a:t>23-Jun-22</a:t>
+              <a:t>03-Jul-22</a:t>
             </a:fld>
             <a:endParaRPr lang="en-US"/>
           </a:p>
@@ -1805,7 +1805,7 @@
           <a:p>
             <a:fld id="{A398FB1A-F8C3-427F-BE44-B87966AC4D7F}" type="datetimeFigureOut">
               <a:rPr lang="en-US" smtClean="0"/>
-              <a:t>23-Jun-22</a:t>
+              <a:t>03-Jul-22</a:t>
             </a:fld>
             <a:endParaRPr lang="en-US"/>
           </a:p>
@@ -2080,7 +2080,7 @@
           <a:p>
             <a:fld id="{A398FB1A-F8C3-427F-BE44-B87966AC4D7F}" type="datetimeFigureOut">
               <a:rPr lang="en-US" smtClean="0"/>
-              <a:t>23-Jun-22</a:t>
+              <a:t>03-Jul-22</a:t>
             </a:fld>
             <a:endParaRPr lang="en-US"/>
           </a:p>
@@ -2332,7 +2332,7 @@
           <a:p>
             <a:fld id="{A398FB1A-F8C3-427F-BE44-B87966AC4D7F}" type="datetimeFigureOut">
               <a:rPr lang="en-US" smtClean="0"/>
-              <a:t>23-Jun-22</a:t>
+              <a:t>03-Jul-22</a:t>
             </a:fld>
             <a:endParaRPr lang="en-US"/>
           </a:p>
@@ -2543,7 +2543,7 @@
           <a:p>
             <a:fld id="{A398FB1A-F8C3-427F-BE44-B87966AC4D7F}" type="datetimeFigureOut">
               <a:rPr lang="en-US" smtClean="0"/>
-              <a:t>23-Jun-22</a:t>
+              <a:t>03-Jul-22</a:t>
             </a:fld>
             <a:endParaRPr lang="en-US"/>
           </a:p>
@@ -3066,12 +3066,9 @@
             </a:r>
             <a:r>
               <a:rPr lang="en-US" dirty="0" smtClean="0"/>
-              <a:t>fw-v190 </a:t>
-            </a:r>
-            <a:r>
-              <a:rPr lang="en-US" dirty="0"/>
-              <a:t>only)</a:t>
-            </a:r>
+              <a:t>fw-v190, or XY shifter fw-v190f)</a:t>
+            </a:r>
+            <a:endParaRPr lang="en-US" dirty="0"/>
           </a:p>
           <a:p>
             <a:r>
@@ -3112,33 +3109,13 @@
             </a:r>
             <a:r>
               <a:rPr lang="en-US" dirty="0" smtClean="0"/>
-              <a:t>fw-v192</a:t>
-            </a:r>
+              <a:t>fw-v192, or button0 in fw-v190)</a:t>
+            </a:r>
+          </a:p>
+          <a:p>
             <a:r>
               <a:rPr lang="en-US" dirty="0" smtClean="0"/>
-              <a:t>, or button0 in </a:t>
-            </a:r>
-            <a:r>
-              <a:rPr lang="en-US" dirty="0" smtClean="0"/>
-              <a:t>fw-v190</a:t>
-            </a:r>
-            <a:r>
-              <a:rPr lang="en-US" dirty="0" smtClean="0"/>
-              <a:t>)</a:t>
-            </a:r>
-          </a:p>
-          <a:p>
-            <a:r>
-              <a:rPr lang="en-US" dirty="0" smtClean="0"/>
-              <a:t>5 - CLK pin for HX711 (</a:t>
-            </a:r>
-            <a:r>
-              <a:rPr lang="en-US" dirty="0" smtClean="0"/>
-              <a:t>fw-v192</a:t>
-            </a:r>
-            <a:r>
-              <a:rPr lang="en-US" dirty="0" smtClean="0"/>
-              <a:t>, </a:t>
+              <a:t>5 - CLK pin for HX711 (fw-v192, </a:t>
             </a:r>
             <a:r>
               <a:rPr lang="en-US" dirty="0"/>
@@ -3559,7 +3536,7 @@
         </p:nvSpPr>
         <p:spPr>
           <a:xfrm>
-            <a:off x="10472601" y="2348071"/>
+            <a:off x="5094896" y="2232257"/>
             <a:ext cx="1675139" cy="738664"/>
           </a:xfrm>
           <a:prstGeom prst="rect">
